--- a/content/2016/02/06/ycbcr.pptx
+++ b/content/2016/02/06/ycbcr.pptx
@@ -8774,8 +8774,8 @@
         </p:nvSpPr>
         <p:spPr>
           <a:xfrm>
-            <a:off x="3386815" y="4877116"/>
-            <a:ext cx="3773093" cy="400592"/>
+            <a:off x="2867607" y="4877116"/>
+            <a:ext cx="4156506" cy="400592"/>
           </a:xfrm>
           <a:prstGeom prst="rect">
             <a:avLst/>
@@ -8818,10 +8818,34 @@
                   <a:schemeClr val="tx1"/>
                 </a:solidFill>
               </a:rPr>
-              <a:t>の下半分は負値なので</a:t>
-            </a:r>
-            <a:r>
-              <a:rPr kumimoji="1" lang="ja-JP" altLang="en-US" smtClean="0">
+              <a:t>の下半分は</a:t>
+            </a:r>
+            <a:r>
+              <a:rPr kumimoji="1" lang="ja-JP" altLang="en-US" dirty="0" smtClean="0">
+                <a:solidFill>
+                  <a:schemeClr val="tx1"/>
+                </a:solidFill>
+              </a:rPr>
+              <a:t>負</a:t>
+            </a:r>
+            <a:r>
+              <a:rPr kumimoji="1" lang="ja-JP" altLang="en-US" dirty="0" smtClean="0">
+                <a:solidFill>
+                  <a:schemeClr val="tx1"/>
+                </a:solidFill>
+              </a:rPr>
+              <a:t>の色</a:t>
+            </a:r>
+            <a:r>
+              <a:rPr kumimoji="1" lang="ja-JP" altLang="en-US" dirty="0" smtClean="0">
+                <a:solidFill>
+                  <a:schemeClr val="tx1"/>
+                </a:solidFill>
+              </a:rPr>
+              <a:t>なので</a:t>
+            </a:r>
+            <a:r>
+              <a:rPr kumimoji="1" lang="ja-JP" altLang="en-US" dirty="0" smtClean="0">
                 <a:solidFill>
                   <a:schemeClr val="tx1"/>
                 </a:solidFill>
